--- a/Presentation.pptx
+++ b/Presentation.pptx
@@ -113,6 +113,11 @@
       </a:defRPr>
     </a:lvl9pPr>
   </p:defaultTextStyle>
+  <p:extLst>
+    <p:ext uri="{EFAFB233-063F-42B5-8137-9DF3F51BA10A}">
+      <p15:sldGuideLst xmlns:p15="http://schemas.microsoft.com/office/powerpoint/2012/main"/>
+    </p:ext>
+  </p:extLst>
 </p:presentation>
 </file>
 
@@ -299,7 +304,7 @@
           <a:p>
             <a:fld id="{67721CE5-020C-49FF-A7AB-4186AB10B921}" type="datetimeFigureOut">
               <a:rPr lang="en-US" smtClean="0"/>
-              <a:t>5/25/2022</a:t>
+              <a:t>5/29/2022</a:t>
             </a:fld>
             <a:endParaRPr lang="en-US"/>
           </a:p>
@@ -574,7 +579,7 @@
           <a:p>
             <a:fld id="{67721CE5-020C-49FF-A7AB-4186AB10B921}" type="datetimeFigureOut">
               <a:rPr lang="en-US" smtClean="0"/>
-              <a:t>5/25/2022</a:t>
+              <a:t>5/29/2022</a:t>
             </a:fld>
             <a:endParaRPr lang="en-US"/>
           </a:p>
@@ -768,7 +773,7 @@
           <a:p>
             <a:fld id="{67721CE5-020C-49FF-A7AB-4186AB10B921}" type="datetimeFigureOut">
               <a:rPr lang="en-US" smtClean="0"/>
-              <a:t>5/25/2022</a:t>
+              <a:t>5/29/2022</a:t>
             </a:fld>
             <a:endParaRPr lang="en-US"/>
           </a:p>
@@ -1036,7 +1041,7 @@
           <a:p>
             <a:fld id="{67721CE5-020C-49FF-A7AB-4186AB10B921}" type="datetimeFigureOut">
               <a:rPr lang="en-US" smtClean="0"/>
-              <a:t>5/25/2022</a:t>
+              <a:t>5/29/2022</a:t>
             </a:fld>
             <a:endParaRPr lang="en-US"/>
           </a:p>
@@ -1368,7 +1373,7 @@
           <a:p>
             <a:fld id="{67721CE5-020C-49FF-A7AB-4186AB10B921}" type="datetimeFigureOut">
               <a:rPr lang="en-US" smtClean="0"/>
-              <a:t>5/25/2022</a:t>
+              <a:t>5/29/2022</a:t>
             </a:fld>
             <a:endParaRPr lang="en-US"/>
           </a:p>
@@ -1978,7 +1983,7 @@
           <a:p>
             <a:fld id="{67721CE5-020C-49FF-A7AB-4186AB10B921}" type="datetimeFigureOut">
               <a:rPr lang="en-US" smtClean="0"/>
-              <a:t>5/25/2022</a:t>
+              <a:t>5/29/2022</a:t>
             </a:fld>
             <a:endParaRPr lang="en-US"/>
           </a:p>
@@ -2825,7 +2830,7 @@
           <a:p>
             <a:fld id="{67721CE5-020C-49FF-A7AB-4186AB10B921}" type="datetimeFigureOut">
               <a:rPr lang="en-US" smtClean="0"/>
-              <a:t>5/25/2022</a:t>
+              <a:t>5/29/2022</a:t>
             </a:fld>
             <a:endParaRPr lang="en-US"/>
           </a:p>
@@ -2995,7 +3000,7 @@
           <a:p>
             <a:fld id="{67721CE5-020C-49FF-A7AB-4186AB10B921}" type="datetimeFigureOut">
               <a:rPr lang="en-US" smtClean="0"/>
-              <a:t>5/25/2022</a:t>
+              <a:t>5/29/2022</a:t>
             </a:fld>
             <a:endParaRPr lang="en-US"/>
           </a:p>
@@ -3175,7 +3180,7 @@
           <a:p>
             <a:fld id="{67721CE5-020C-49FF-A7AB-4186AB10B921}" type="datetimeFigureOut">
               <a:rPr lang="en-US" smtClean="0"/>
-              <a:t>5/25/2022</a:t>
+              <a:t>5/29/2022</a:t>
             </a:fld>
             <a:endParaRPr lang="en-US"/>
           </a:p>
@@ -3345,7 +3350,7 @@
           <a:p>
             <a:fld id="{67721CE5-020C-49FF-A7AB-4186AB10B921}" type="datetimeFigureOut">
               <a:rPr lang="en-US" smtClean="0"/>
-              <a:t>5/25/2022</a:t>
+              <a:t>5/29/2022</a:t>
             </a:fld>
             <a:endParaRPr lang="en-US"/>
           </a:p>
@@ -3589,7 +3594,7 @@
           <a:p>
             <a:fld id="{67721CE5-020C-49FF-A7AB-4186AB10B921}" type="datetimeFigureOut">
               <a:rPr lang="en-US" smtClean="0"/>
-              <a:t>5/25/2022</a:t>
+              <a:t>5/29/2022</a:t>
             </a:fld>
             <a:endParaRPr lang="en-US"/>
           </a:p>
@@ -3881,7 +3886,7 @@
           <a:p>
             <a:fld id="{67721CE5-020C-49FF-A7AB-4186AB10B921}" type="datetimeFigureOut">
               <a:rPr lang="en-US" smtClean="0"/>
-              <a:t>5/25/2022</a:t>
+              <a:t>5/29/2022</a:t>
             </a:fld>
             <a:endParaRPr lang="en-US"/>
           </a:p>
@@ -4319,7 +4324,7 @@
           <a:p>
             <a:fld id="{67721CE5-020C-49FF-A7AB-4186AB10B921}" type="datetimeFigureOut">
               <a:rPr lang="en-US" smtClean="0"/>
-              <a:t>5/25/2022</a:t>
+              <a:t>5/29/2022</a:t>
             </a:fld>
             <a:endParaRPr lang="en-US"/>
           </a:p>
@@ -4437,7 +4442,7 @@
           <a:p>
             <a:fld id="{67721CE5-020C-49FF-A7AB-4186AB10B921}" type="datetimeFigureOut">
               <a:rPr lang="en-US" smtClean="0"/>
-              <a:t>5/25/2022</a:t>
+              <a:t>5/29/2022</a:t>
             </a:fld>
             <a:endParaRPr lang="en-US"/>
           </a:p>
@@ -4532,7 +4537,7 @@
           <a:p>
             <a:fld id="{67721CE5-020C-49FF-A7AB-4186AB10B921}" type="datetimeFigureOut">
               <a:rPr lang="en-US" smtClean="0"/>
-              <a:t>5/25/2022</a:t>
+              <a:t>5/29/2022</a:t>
             </a:fld>
             <a:endParaRPr lang="en-US"/>
           </a:p>
@@ -4811,7 +4816,7 @@
           <a:p>
             <a:fld id="{67721CE5-020C-49FF-A7AB-4186AB10B921}" type="datetimeFigureOut">
               <a:rPr lang="en-US" smtClean="0"/>
-              <a:t>5/25/2022</a:t>
+              <a:t>5/29/2022</a:t>
             </a:fld>
             <a:endParaRPr lang="en-US"/>
           </a:p>
@@ -5086,7 +5091,7 @@
           <a:p>
             <a:fld id="{67721CE5-020C-49FF-A7AB-4186AB10B921}" type="datetimeFigureOut">
               <a:rPr lang="en-US" smtClean="0"/>
-              <a:t>5/25/2022</a:t>
+              <a:t>5/29/2022</a:t>
             </a:fld>
             <a:endParaRPr lang="en-US"/>
           </a:p>
@@ -5515,7 +5520,7 @@
           <a:p>
             <a:fld id="{67721CE5-020C-49FF-A7AB-4186AB10B921}" type="datetimeFigureOut">
               <a:rPr lang="en-US" smtClean="0"/>
-              <a:t>5/25/2022</a:t>
+              <a:t>5/29/2022</a:t>
             </a:fld>
             <a:endParaRPr lang="en-US"/>
           </a:p>
@@ -6415,7 +6420,7 @@
         </p:spPr>
         <p:txBody>
           <a:bodyPr>
-            <a:normAutofit/>
+            <a:normAutofit lnSpcReduction="10000"/>
           </a:bodyPr>
           <a:lstStyle/>
           <a:p>
@@ -6493,15 +6498,23 @@
             </a:pPr>
             <a:r>
               <a:rPr lang="el-GR" dirty="0"/>
-              <a:t>Να περιέχει κλάσεις για την κατάλληλη αναπαράσταση των πληροφοριών του περιβάλλοντος και των </a:t>
-            </a:r>
-            <a:r>
-              <a:rPr lang="en-US" dirty="0"/>
-              <a:t>stack</a:t>
-            </a:r>
-            <a:r>
-              <a:rPr lang="el-GR" dirty="0"/>
-              <a:t>.</a:t>
+              <a:t>Να</a:t>
+            </a:r>
+            <a:r>
+              <a:rPr lang="en-US" dirty="0"/>
+              <a:t> </a:t>
+            </a:r>
+            <a:r>
+              <a:rPr lang="el-GR" dirty="0"/>
+              <a:t>είναι αντικειμενοστραφής έτσι ώστε να μπορεί να αναπαραστήσει τις πληροφορίες του περιβάλλοντος και των </a:t>
+            </a:r>
+            <a:r>
+              <a:rPr lang="en-US" dirty="0"/>
+              <a:t>stack </a:t>
+            </a:r>
+            <a:r>
+              <a:rPr lang="el-GR" dirty="0"/>
+              <a:t>χρησιμοποιώντας κλάσεις.</a:t>
             </a:r>
             <a:endParaRPr lang="en-US" dirty="0"/>
           </a:p>
@@ -6516,7 +6529,15 @@
             </a:r>
             <a:r>
               <a:rPr lang="en-US" dirty="0"/>
-              <a:t>C </a:t>
+              <a:t>C++</a:t>
+            </a:r>
+            <a:r>
+              <a:rPr lang="el-GR" dirty="0"/>
+              <a:t>, </a:t>
+            </a:r>
+            <a:r>
+              <a:rPr lang="en-US" dirty="0"/>
+              <a:t>Java </a:t>
             </a:r>
             <a:r>
               <a:rPr lang="el-GR" dirty="0"/>
@@ -6524,7 +6545,7 @@
             </a:r>
             <a:r>
               <a:rPr lang="en-US" dirty="0"/>
-              <a:t>C++.</a:t>
+              <a:t>Python.</a:t>
             </a:r>
             <a:endParaRPr lang="el-GR" dirty="0"/>
           </a:p>
@@ -6534,12 +6555,8 @@
               <a:buChar char="Ø"/>
             </a:pPr>
             <a:r>
-              <a:rPr lang="en-US" dirty="0"/>
-              <a:t>N</a:t>
-            </a:r>
-            <a:r>
-              <a:rPr lang="el-GR" dirty="0"/>
-              <a:t>α περιέχει δομές για την καταχώρηση των πληροφοριών του περιβάλλοντος και των </a:t>
+              <a:rPr lang="el-GR" dirty="0"/>
+              <a:t>Η πρότυπη βιβλιοθήκη της γλώσσας πρέπει να περιέχει δομές δεδομένων για την καταχώρηση των πληροφοριών του περιβάλλοντος και των </a:t>
             </a:r>
             <a:r>
               <a:rPr lang="en-US" dirty="0"/>
@@ -6557,19 +6574,31 @@
             </a:pPr>
             <a:r>
               <a:rPr lang="el-GR" dirty="0"/>
-              <a:t>Να είναι συμβατή με κάποια βιβλιοθήκη που να μπορεί να κάνει </a:t>
-            </a:r>
-            <a:r>
-              <a:rPr lang="en-US" dirty="0"/>
-              <a:t>parse </a:t>
-            </a:r>
-            <a:r>
-              <a:rPr lang="el-GR" dirty="0"/>
-              <a:t>αρχεία </a:t>
-            </a:r>
-            <a:r>
-              <a:rPr lang="en-US" dirty="0"/>
-              <a:t>json / </a:t>
+              <a:t>Να είναι συμβατή με κάποια βιβλιοθήκη που να μπορεί να κάνει ανάγνωση</a:t>
+            </a:r>
+            <a:r>
+              <a:rPr lang="en-US" dirty="0"/>
+              <a:t> </a:t>
+            </a:r>
+            <a:r>
+              <a:rPr lang="el-GR" dirty="0"/>
+              <a:t>αρχείων </a:t>
+            </a:r>
+            <a:r>
+              <a:rPr lang="en-US" dirty="0" err="1"/>
+              <a:t>json</a:t>
+            </a:r>
+            <a:r>
+              <a:rPr lang="en-US" dirty="0"/>
+              <a:t> </a:t>
+            </a:r>
+            <a:r>
+              <a:rPr lang="el-GR" dirty="0"/>
+              <a:t>ή</a:t>
+            </a:r>
+            <a:r>
+              <a:rPr lang="en-US" dirty="0"/>
+              <a:t> </a:t>
             </a:r>
             <a:r>
               <a:rPr lang="en-US" dirty="0" err="1"/>
@@ -6721,7 +6750,7 @@
             </a:r>
             <a:r>
               <a:rPr lang="el-GR" dirty="0"/>
-              <a:t>ο κάθε περιβάλλον θα αποθηκεύεται σε</a:t>
+              <a:t>ο κάθε περιβάλλον θα αποθηκεύεται σε ένα</a:t>
             </a:r>
             <a:r>
               <a:rPr lang="en-US" dirty="0"/>
@@ -6777,21 +6806,6 @@
             </a:pPr>
             <a:r>
               <a:rPr lang="el-GR" dirty="0"/>
-              <a:t>Μπορούν να χρησιμοποιηθούν οι κλάσεις για την αναπαράσταση του περιβάλλοντος και των </a:t>
-            </a:r>
-            <a:r>
-              <a:rPr lang="en-US" dirty="0"/>
-              <a:t>stack.</a:t>
-            </a:r>
-            <a:endParaRPr lang="el-GR" dirty="0"/>
-          </a:p>
-          <a:p>
-            <a:pPr>
-              <a:buFont typeface="Wingdings" panose="05000000000000000000" pitchFamily="2" charset="2"/>
-              <a:buChar char="Ø"/>
-            </a:pPr>
-            <a:r>
-              <a:rPr lang="el-GR" dirty="0"/>
               <a:t>Οι πληροφορίες για το περιβάλλον και το κάθε </a:t>
             </a:r>
             <a:r>
@@ -6816,7 +6830,7 @@
             </a:r>
             <a:r>
               <a:rPr lang="el-GR" dirty="0"/>
-              <a:t>της γλώσσας.</a:t>
+              <a:t>της πρότυπης βιβλιοθήκης.</a:t>
             </a:r>
             <a:endParaRPr lang="en-US" dirty="0"/>
           </a:p>
@@ -7087,11 +7101,11 @@
             </a:r>
             <a:r>
               <a:rPr lang="el-GR" dirty="0"/>
-              <a:t>και καταχωρούνται σε ένα </a:t>
-            </a:r>
-            <a:r>
-              <a:rPr lang="en-US" dirty="0"/>
-              <a:t>map.</a:t>
+              <a:t>και καταχωρούνται σε ένα λεξικό</a:t>
+            </a:r>
+            <a:r>
+              <a:rPr lang="en-US" dirty="0"/>
+              <a:t>.</a:t>
             </a:r>
             <a:endParaRPr lang="el-GR" dirty="0"/>
           </a:p>
@@ -7209,7 +7223,7 @@
         </p:spPr>
         <p:txBody>
           <a:bodyPr>
-            <a:normAutofit fontScale="92500" lnSpcReduction="10000"/>
+            <a:normAutofit/>
           </a:bodyPr>
           <a:lstStyle/>
           <a:p>
@@ -7225,23 +7239,76 @@
               <a:t>Η μέθοδος δέχεται σαν όρισμα ένα αντικείμενο </a:t>
             </a:r>
             <a:r>
-              <a:rPr lang="en-US" dirty="0"/>
-              <a:t>json </a:t>
-            </a:r>
-            <a:r>
-              <a:rPr lang="el-GR" dirty="0"/>
-              <a:t>σαν </a:t>
-            </a:r>
-            <a:r>
-              <a:rPr lang="en-US" dirty="0"/>
-              <a:t>string.</a:t>
+              <a:rPr lang="en-US" dirty="0" err="1"/>
+              <a:t>json</a:t>
+            </a:r>
+            <a:r>
+              <a:rPr lang="el-GR" dirty="0"/>
+              <a:t> με το οποίο δημιουργεί ένα αντικείμενο </a:t>
+            </a:r>
+            <a:r>
+              <a:rPr lang="en-US" dirty="0"/>
+              <a:t>Environment</a:t>
+            </a:r>
+            <a:r>
+              <a:rPr lang="el-GR" dirty="0"/>
+              <a:t>.</a:t>
+            </a:r>
+            <a:endParaRPr lang="en-US" dirty="0"/>
+          </a:p>
+          <a:p>
+            <a:r>
+              <a:rPr lang="el-GR" dirty="0"/>
+              <a:t>Έλεγχος της δομής του περιβάλλοντος:</a:t>
             </a:r>
           </a:p>
           <a:p>
             <a:pPr lvl="1"/>
             <a:r>
               <a:rPr lang="el-GR" dirty="0"/>
-              <a:t>Διαβάζει το όνομα και τα </a:t>
+              <a:t>Η μέθοδος δέχεται σαν όρισμα ένα αντικείμενο </a:t>
+            </a:r>
+            <a:r>
+              <a:rPr lang="en-US" dirty="0"/>
+              <a:t>Environment</a:t>
+            </a:r>
+            <a:r>
+              <a:rPr lang="el-GR" dirty="0"/>
+              <a:t>. Ελέγχει αν σε αυτό περιέχονται όλα τα </a:t>
+            </a:r>
+            <a:r>
+              <a:rPr lang="en-US" dirty="0"/>
+              <a:t>dependency </a:t>
+            </a:r>
+            <a:r>
+              <a:rPr lang="el-GR" dirty="0"/>
+              <a:t>μέσω του λεξικού</a:t>
+            </a:r>
+            <a:r>
+              <a:rPr lang="en-US" dirty="0"/>
+              <a:t>.</a:t>
+            </a:r>
+            <a:endParaRPr lang="el-GR" dirty="0"/>
+          </a:p>
+          <a:p>
+            <a:pPr lvl="1"/>
+            <a:r>
+              <a:rPr lang="el-GR" dirty="0"/>
+              <a:t>Αν δεν βρεθούν όλα τα </a:t>
+            </a:r>
+            <a:r>
+              <a:rPr lang="en-US" dirty="0"/>
+              <a:t>dependency </a:t>
+            </a:r>
+            <a:r>
+              <a:rPr lang="el-GR" dirty="0"/>
+              <a:t>στο περιβάλλον τυπώνει κατάλληλο μήνυμα στο χρήστη.</a:t>
+            </a:r>
+          </a:p>
+          <a:p>
+            <a:r>
+              <a:rPr lang="el-GR" dirty="0"/>
+              <a:t>Ταξινόμηση των </a:t>
             </a:r>
             <a:r>
               <a:rPr lang="en-US" dirty="0"/>
@@ -7249,25 +7316,7 @@
             </a:r>
             <a:r>
               <a:rPr lang="el-GR" dirty="0"/>
-              <a:t>από το </a:t>
-            </a:r>
-            <a:r>
-              <a:rPr lang="en-US" dirty="0"/>
-              <a:t>json</a:t>
-            </a:r>
-            <a:r>
-              <a:rPr lang="el-GR" dirty="0"/>
-              <a:t>, δημιουργεί και επιστρέφει ένα αντικείμενο </a:t>
-            </a:r>
-            <a:r>
-              <a:rPr lang="en-US" dirty="0"/>
-              <a:t>Environment</a:t>
-            </a:r>
-          </a:p>
-          <a:p>
-            <a:r>
-              <a:rPr lang="el-GR" dirty="0"/>
-              <a:t>Έλεγχος της δομής του περιβάλλοντος:</a:t>
+              <a:t>του περιβάλλοντος:</a:t>
             </a:r>
           </a:p>
           <a:p>
@@ -7278,139 +7327,59 @@
             </a:r>
             <a:r>
               <a:rPr lang="en-US" dirty="0"/>
-              <a:t>Environment</a:t>
-            </a:r>
-            <a:r>
-              <a:rPr lang="el-GR" dirty="0"/>
+              <a:t>Environment.</a:t>
+            </a:r>
+            <a:endParaRPr lang="el-GR" dirty="0"/>
+          </a:p>
+          <a:p>
+            <a:pPr lvl="1"/>
+            <a:r>
+              <a:rPr lang="el-GR" dirty="0"/>
+              <a:t>Σε μια νέα λίστα προσθέτει μόνο </a:t>
+            </a:r>
+            <a:r>
+              <a:rPr lang="en-US" dirty="0"/>
+              <a:t>Stack </a:t>
+            </a:r>
+            <a:r>
+              <a:rPr lang="el-GR" dirty="0"/>
+              <a:t>χωρίς </a:t>
+            </a:r>
+            <a:r>
+              <a:rPr lang="en-US" dirty="0"/>
+              <a:t>dependency</a:t>
+            </a:r>
+            <a:r>
+              <a:rPr lang="el-GR" dirty="0"/>
+              <a:t> ή</a:t>
+            </a:r>
+            <a:r>
+              <a:rPr lang="en-US" dirty="0"/>
+              <a:t> Stack</a:t>
+            </a:r>
+            <a:r>
+              <a:rPr lang="el-GR" dirty="0"/>
+              <a:t> με </a:t>
+            </a:r>
+            <a:r>
+              <a:rPr lang="en-US" dirty="0"/>
+              <a:t>dependency </a:t>
+            </a:r>
+            <a:r>
+              <a:rPr lang="el-GR" dirty="0"/>
+              <a:t>που υπάρχουν στη νέα λίστα</a:t>
+            </a:r>
+            <a:r>
+              <a:rPr lang="en-US" dirty="0"/>
               <a:t>.</a:t>
             </a:r>
+            <a:endParaRPr lang="el-GR" dirty="0"/>
           </a:p>
           <a:p>
             <a:pPr lvl="1"/>
             <a:r>
               <a:rPr lang="el-GR" dirty="0"/>
-              <a:t>Για κάθε </a:t>
-            </a:r>
-            <a:r>
-              <a:rPr lang="en-US" dirty="0"/>
-              <a:t>Stack </a:t>
-            </a:r>
-            <a:r>
-              <a:rPr lang="el-GR" dirty="0"/>
-              <a:t>που υπάρχει στο </a:t>
-            </a:r>
-            <a:r>
-              <a:rPr lang="en-US" dirty="0"/>
-              <a:t>Environment </a:t>
-            </a:r>
-            <a:r>
-              <a:rPr lang="el-GR" dirty="0"/>
-              <a:t>ελέγχεται αν περιέχονται όλα τα </a:t>
-            </a:r>
-            <a:r>
-              <a:rPr lang="en-US" dirty="0"/>
-              <a:t>dependency </a:t>
-            </a:r>
-            <a:r>
-              <a:rPr lang="el-GR" dirty="0"/>
-              <a:t>στο περιβάλλον.</a:t>
-            </a:r>
-          </a:p>
-          <a:p>
-            <a:pPr lvl="1"/>
-            <a:r>
-              <a:rPr lang="el-GR" dirty="0"/>
-              <a:t>Αν δεν βρεθούν όλα τα </a:t>
-            </a:r>
-            <a:r>
-              <a:rPr lang="en-US" dirty="0"/>
-              <a:t>dependency </a:t>
-            </a:r>
-            <a:r>
-              <a:rPr lang="el-GR" dirty="0"/>
-              <a:t>στο περιβάλλον τυπώνεται αντίστοιχο μήνυμα και η συνάρτηση επιστρέφει </a:t>
-            </a:r>
-            <a:r>
-              <a:rPr lang="en-US" dirty="0"/>
-              <a:t>false.</a:t>
-            </a:r>
-            <a:endParaRPr lang="el-GR" dirty="0"/>
-          </a:p>
-          <a:p>
-            <a:r>
-              <a:rPr lang="el-GR" dirty="0"/>
-              <a:t>Ταξινόμηση των </a:t>
-            </a:r>
-            <a:r>
-              <a:rPr lang="en-US" dirty="0"/>
-              <a:t>Stack </a:t>
-            </a:r>
-            <a:r>
-              <a:rPr lang="el-GR" dirty="0"/>
-              <a:t>του περιβάλλοντος:</a:t>
-            </a:r>
-          </a:p>
-          <a:p>
-            <a:pPr lvl="1"/>
-            <a:r>
-              <a:rPr lang="el-GR" dirty="0"/>
-              <a:t>Η μέθοδος δέχεται σαν όρισμα ένα αντικείμενο </a:t>
-            </a:r>
-            <a:r>
-              <a:rPr lang="en-US" dirty="0"/>
-              <a:t>Environment.</a:t>
-            </a:r>
-            <a:endParaRPr lang="el-GR" dirty="0"/>
-          </a:p>
-          <a:p>
-            <a:pPr lvl="1"/>
-            <a:r>
-              <a:rPr lang="el-GR" dirty="0"/>
-              <a:t>Δημιουργεί μια νέα λίστα στην οποία προσθέτει μόνο </a:t>
-            </a:r>
-            <a:r>
-              <a:rPr lang="en-US" dirty="0"/>
-              <a:t>Stack </a:t>
-            </a:r>
-            <a:r>
-              <a:rPr lang="el-GR" dirty="0"/>
-              <a:t>χωρίς </a:t>
-            </a:r>
-            <a:r>
-              <a:rPr lang="en-US" dirty="0"/>
-              <a:t>dependency</a:t>
-            </a:r>
-            <a:r>
-              <a:rPr lang="el-GR" dirty="0"/>
-              <a:t> ή</a:t>
-            </a:r>
-            <a:r>
-              <a:rPr lang="en-US" dirty="0"/>
-              <a:t> Stack</a:t>
-            </a:r>
-            <a:r>
-              <a:rPr lang="el-GR" dirty="0"/>
-              <a:t> με </a:t>
-            </a:r>
-            <a:r>
-              <a:rPr lang="en-US" dirty="0"/>
-              <a:t>dependency </a:t>
-            </a:r>
-            <a:r>
-              <a:rPr lang="el-GR" dirty="0"/>
-              <a:t>που υπάρχουν στην λίστα</a:t>
-            </a:r>
-            <a:r>
-              <a:rPr lang="en-US" dirty="0"/>
-              <a:t>.</a:t>
-            </a:r>
-            <a:endParaRPr lang="el-GR" dirty="0"/>
-          </a:p>
-          <a:p>
-            <a:pPr lvl="1"/>
-            <a:r>
-              <a:rPr lang="el-GR" dirty="0"/>
-              <a:t>Επιστρέφει ένα αντικείμενο </a:t>
+              <a:t>Δημιουργεί ένα νέο αντικείμενο </a:t>
             </a:r>
             <a:r>
               <a:rPr lang="en-US" dirty="0"/>
@@ -7578,7 +7547,7 @@
             </a:r>
             <a:r>
               <a:rPr lang="el-GR" dirty="0"/>
-              <a:t>και ελέγχει αν υπάρχει στο περιβάλλον.</a:t>
+              <a:t>και ελέγχει αν αυτό υπάρχει στο περιβάλλον.</a:t>
             </a:r>
           </a:p>
           <a:p>
